--- a/Color_Detection.pptx
+++ b/Color_Detection.pptx
@@ -6,7 +6,7 @@
     <p:sldMasterId id="2147483661" r:id="rId2"/>
   </p:sldMasterIdLst>
   <p:notesMasterIdLst>
-    <p:notesMasterId r:id="rId12"/>
+    <p:notesMasterId r:id="rId13"/>
   </p:notesMasterIdLst>
   <p:sldIdLst>
     <p:sldId id="267" r:id="rId3"/>
@@ -16,8 +16,9 @@
     <p:sldId id="260" r:id="rId7"/>
     <p:sldId id="269" r:id="rId8"/>
     <p:sldId id="272" r:id="rId9"/>
-    <p:sldId id="266" r:id="rId10"/>
-    <p:sldId id="271" r:id="rId11"/>
+    <p:sldId id="273" r:id="rId10"/>
+    <p:sldId id="266" r:id="rId11"/>
+    <p:sldId id="271" r:id="rId12"/>
   </p:sldIdLst>
   <p:sldSz cx="12192000" cy="6858000"/>
   <p:notesSz cx="7559675" cy="10691813"/>
@@ -138,7 +139,7 @@
 <file path=ppt/revisionInfo.xml><?xml version="1.0" encoding="utf-8"?>
 <p1510:revInfo xmlns:a="http://schemas.openxmlformats.org/drawingml/2006/main" xmlns:r="http://schemas.openxmlformats.org/officeDocument/2006/relationships" xmlns:p1510="http://schemas.microsoft.com/office/powerpoint/2015/10/main">
   <p1510:revLst>
-    <p1510:client id="{B18E0E83-1FD6-4EC2-A23D-35A93CD9F90C}" v="8" dt="2024-10-17T06:22:32.015"/>
+    <p1510:client id="{B18E0E83-1FD6-4EC2-A23D-35A93CD9F90C}" v="11" dt="2024-10-21T00:13:06.396"/>
   </p1510:revLst>
 </p1510:revInfo>
 </file>
@@ -148,12 +149,12 @@
   <pc:docChgLst>
     <pc:chgData name="LAKSHMISREE RENTALA" userId="d486599c0204dcb8" providerId="LiveId" clId="{B18E0E83-1FD6-4EC2-A23D-35A93CD9F90C}"/>
     <pc:docChg chg="undo custSel addSld delSld modSld modMainMaster">
-      <pc:chgData name="LAKSHMISREE RENTALA" userId="d486599c0204dcb8" providerId="LiveId" clId="{B18E0E83-1FD6-4EC2-A23D-35A93CD9F90C}" dt="2024-10-17T06:23:31.666" v="776" actId="20577"/>
+      <pc:chgData name="LAKSHMISREE RENTALA" userId="d486599c0204dcb8" providerId="LiveId" clId="{B18E0E83-1FD6-4EC2-A23D-35A93CD9F90C}" dt="2024-10-21T00:14:18.290" v="832" actId="20577"/>
       <pc:docMkLst>
         <pc:docMk/>
       </pc:docMkLst>
       <pc:sldChg chg="addSp modSp mod modTransition">
-        <pc:chgData name="LAKSHMISREE RENTALA" userId="d486599c0204dcb8" providerId="LiveId" clId="{B18E0E83-1FD6-4EC2-A23D-35A93CD9F90C}" dt="2024-10-17T06:23:31.666" v="776" actId="20577"/>
+        <pc:chgData name="LAKSHMISREE RENTALA" userId="d486599c0204dcb8" providerId="LiveId" clId="{B18E0E83-1FD6-4EC2-A23D-35A93CD9F90C}" dt="2024-10-21T00:13:06.396" v="822"/>
         <pc:sldMkLst>
           <pc:docMk/>
           <pc:sldMk cId="0" sldId="257"/>
@@ -168,7 +169,7 @@
         </pc:spChg>
       </pc:sldChg>
       <pc:sldChg chg="addSp modSp mod modTransition">
-        <pc:chgData name="LAKSHMISREE RENTALA" userId="d486599c0204dcb8" providerId="LiveId" clId="{B18E0E83-1FD6-4EC2-A23D-35A93CD9F90C}" dt="2024-10-17T06:22:04.904" v="763" actId="22"/>
+        <pc:chgData name="LAKSHMISREE RENTALA" userId="d486599c0204dcb8" providerId="LiveId" clId="{B18E0E83-1FD6-4EC2-A23D-35A93CD9F90C}" dt="2024-10-21T00:13:06.396" v="822"/>
         <pc:sldMkLst>
           <pc:docMk/>
           <pc:sldMk cId="0" sldId="259"/>
@@ -206,7 +207,7 @@
           </ac:spMkLst>
         </pc:spChg>
         <pc:spChg chg="mod">
-          <ac:chgData name="LAKSHMISREE RENTALA" userId="d486599c0204dcb8" providerId="LiveId" clId="{B18E0E83-1FD6-4EC2-A23D-35A93CD9F90C}" dt="2024-10-16T00:14:43.716" v="234" actId="20577"/>
+          <ac:chgData name="LAKSHMISREE RENTALA" userId="d486599c0204dcb8" providerId="LiveId" clId="{B18E0E83-1FD6-4EC2-A23D-35A93CD9F90C}" dt="2024-10-21T00:06:35.984" v="785" actId="27636"/>
           <ac:spMkLst>
             <pc:docMk/>
             <pc:sldMk cId="0" sldId="259"/>
@@ -215,7 +216,7 @@
         </pc:spChg>
       </pc:sldChg>
       <pc:sldChg chg="modSp mod modTransition">
-        <pc:chgData name="LAKSHMISREE RENTALA" userId="d486599c0204dcb8" providerId="LiveId" clId="{B18E0E83-1FD6-4EC2-A23D-35A93CD9F90C}" dt="2024-10-16T00:28:43.255" v="563" actId="20577"/>
+        <pc:chgData name="LAKSHMISREE RENTALA" userId="d486599c0204dcb8" providerId="LiveId" clId="{B18E0E83-1FD6-4EC2-A23D-35A93CD9F90C}" dt="2024-10-21T00:13:06.396" v="822"/>
         <pc:sldMkLst>
           <pc:docMk/>
           <pc:sldMk cId="0" sldId="260"/>
@@ -238,14 +239,14 @@
         </pc:spChg>
       </pc:sldChg>
       <pc:sldChg chg="modTransition">
-        <pc:chgData name="LAKSHMISREE RENTALA" userId="d486599c0204dcb8" providerId="LiveId" clId="{B18E0E83-1FD6-4EC2-A23D-35A93CD9F90C}" dt="2024-10-15T15:33:17.276" v="191"/>
+        <pc:chgData name="LAKSHMISREE RENTALA" userId="d486599c0204dcb8" providerId="LiveId" clId="{B18E0E83-1FD6-4EC2-A23D-35A93CD9F90C}" dt="2024-10-21T00:13:06.396" v="822"/>
         <pc:sldMkLst>
           <pc:docMk/>
           <pc:sldMk cId="0" sldId="266"/>
         </pc:sldMkLst>
       </pc:sldChg>
       <pc:sldChg chg="modSp mod modTransition">
-        <pc:chgData name="LAKSHMISREE RENTALA" userId="d486599c0204dcb8" providerId="LiveId" clId="{B18E0E83-1FD6-4EC2-A23D-35A93CD9F90C}" dt="2024-10-15T15:34:14.042" v="194" actId="1076"/>
+        <pc:chgData name="LAKSHMISREE RENTALA" userId="d486599c0204dcb8" providerId="LiveId" clId="{B18E0E83-1FD6-4EC2-A23D-35A93CD9F90C}" dt="2024-10-21T00:13:31.270" v="826" actId="20577"/>
         <pc:sldMkLst>
           <pc:docMk/>
           <pc:sldMk cId="0" sldId="267"/>
@@ -267,6 +268,14 @@
           </ac:spMkLst>
         </pc:spChg>
         <pc:spChg chg="mod">
+          <ac:chgData name="LAKSHMISREE RENTALA" userId="d486599c0204dcb8" providerId="LiveId" clId="{B18E0E83-1FD6-4EC2-A23D-35A93CD9F90C}" dt="2024-10-21T00:13:31.270" v="826" actId="20577"/>
+          <ac:spMkLst>
+            <pc:docMk/>
+            <pc:sldMk cId="0" sldId="267"/>
+            <ac:spMk id="17" creationId="{00000000-0000-0000-0000-000000000000}"/>
+          </ac:spMkLst>
+        </pc:spChg>
+        <pc:spChg chg="mod">
           <ac:chgData name="LAKSHMISREE RENTALA" userId="d486599c0204dcb8" providerId="LiveId" clId="{B18E0E83-1FD6-4EC2-A23D-35A93CD9F90C}" dt="2024-10-15T15:34:09.920" v="193" actId="255"/>
           <ac:spMkLst>
             <pc:docMk/>
@@ -283,7 +292,7 @@
         </pc:sldMkLst>
       </pc:sldChg>
       <pc:sldChg chg="modSp mod modTransition">
-        <pc:chgData name="LAKSHMISREE RENTALA" userId="d486599c0204dcb8" providerId="LiveId" clId="{B18E0E83-1FD6-4EC2-A23D-35A93CD9F90C}" dt="2024-10-16T00:32:44.336" v="600" actId="20577"/>
+        <pc:chgData name="LAKSHMISREE RENTALA" userId="d486599c0204dcb8" providerId="LiveId" clId="{B18E0E83-1FD6-4EC2-A23D-35A93CD9F90C}" dt="2024-10-21T00:13:06.396" v="822"/>
         <pc:sldMkLst>
           <pc:docMk/>
           <pc:sldMk cId="1546799983" sldId="269"/>
@@ -306,7 +315,7 @@
         </pc:spChg>
       </pc:sldChg>
       <pc:sldChg chg="modSp add mod modTransition">
-        <pc:chgData name="LAKSHMISREE RENTALA" userId="d486599c0204dcb8" providerId="LiveId" clId="{B18E0E83-1FD6-4EC2-A23D-35A93CD9F90C}" dt="2024-10-17T06:21:25.297" v="759" actId="20577"/>
+        <pc:chgData name="LAKSHMISREE RENTALA" userId="d486599c0204dcb8" providerId="LiveId" clId="{B18E0E83-1FD6-4EC2-A23D-35A93CD9F90C}" dt="2024-10-21T00:13:06.396" v="822"/>
         <pc:sldMkLst>
           <pc:docMk/>
           <pc:sldMk cId="1546893224" sldId="270"/>
@@ -329,7 +338,7 @@
         </pc:spChg>
       </pc:sldChg>
       <pc:sldChg chg="modSp add mod modTransition">
-        <pc:chgData name="LAKSHMISREE RENTALA" userId="d486599c0204dcb8" providerId="LiveId" clId="{B18E0E83-1FD6-4EC2-A23D-35A93CD9F90C}" dt="2024-10-15T15:33:17.276" v="191"/>
+        <pc:chgData name="LAKSHMISREE RENTALA" userId="d486599c0204dcb8" providerId="LiveId" clId="{B18E0E83-1FD6-4EC2-A23D-35A93CD9F90C}" dt="2024-10-21T00:13:06.396" v="822"/>
         <pc:sldMkLst>
           <pc:docMk/>
           <pc:sldMk cId="1860936096" sldId="271"/>
@@ -343,8 +352,8 @@
           </ac:spMkLst>
         </pc:spChg>
       </pc:sldChg>
-      <pc:sldChg chg="modSp add mod">
-        <pc:chgData name="LAKSHMISREE RENTALA" userId="d486599c0204dcb8" providerId="LiveId" clId="{B18E0E83-1FD6-4EC2-A23D-35A93CD9F90C}" dt="2024-10-16T01:01:40.611" v="747" actId="20577"/>
+      <pc:sldChg chg="modSp add mod modTransition">
+        <pc:chgData name="LAKSHMISREE RENTALA" userId="d486599c0204dcb8" providerId="LiveId" clId="{B18E0E83-1FD6-4EC2-A23D-35A93CD9F90C}" dt="2024-10-21T00:13:06.396" v="822"/>
         <pc:sldMkLst>
           <pc:docMk/>
           <pc:sldMk cId="319833105" sldId="272"/>
@@ -381,14 +390,53 @@
           </ac:spMkLst>
         </pc:spChg>
       </pc:sldChg>
+      <pc:sldChg chg="addSp delSp modSp add mod modTransition">
+        <pc:chgData name="LAKSHMISREE RENTALA" userId="d486599c0204dcb8" providerId="LiveId" clId="{B18E0E83-1FD6-4EC2-A23D-35A93CD9F90C}" dt="2024-10-21T00:13:06.396" v="822"/>
+        <pc:sldMkLst>
+          <pc:docMk/>
+          <pc:sldMk cId="338811875" sldId="273"/>
+        </pc:sldMkLst>
+        <pc:spChg chg="add mod">
+          <ac:chgData name="LAKSHMISREE RENTALA" userId="d486599c0204dcb8" providerId="LiveId" clId="{B18E0E83-1FD6-4EC2-A23D-35A93CD9F90C}" dt="2024-10-21T00:08:05.797" v="796" actId="255"/>
+          <ac:spMkLst>
+            <pc:docMk/>
+            <pc:sldMk cId="338811875" sldId="273"/>
+            <ac:spMk id="4" creationId="{519D1F72-B7FD-0FBC-56EC-032EF5F8D289}"/>
+          </ac:spMkLst>
+        </pc:spChg>
+        <pc:spChg chg="mod">
+          <ac:chgData name="LAKSHMISREE RENTALA" userId="d486599c0204dcb8" providerId="LiveId" clId="{B18E0E83-1FD6-4EC2-A23D-35A93CD9F90C}" dt="2024-10-21T00:08:21.211" v="820" actId="20577"/>
+          <ac:spMkLst>
+            <pc:docMk/>
+            <pc:sldMk cId="338811875" sldId="273"/>
+            <ac:spMk id="103" creationId="{00000000-0000-0000-0000-000000000000}"/>
+          </ac:spMkLst>
+        </pc:spChg>
+        <pc:spChg chg="del mod">
+          <ac:chgData name="LAKSHMISREE RENTALA" userId="d486599c0204dcb8" providerId="LiveId" clId="{B18E0E83-1FD6-4EC2-A23D-35A93CD9F90C}" dt="2024-10-21T00:07:12.116" v="788"/>
+          <ac:spMkLst>
+            <pc:docMk/>
+            <pc:sldMk cId="338811875" sldId="273"/>
+            <ac:spMk id="104" creationId="{00000000-0000-0000-0000-000000000000}"/>
+          </ac:spMkLst>
+        </pc:spChg>
+        <pc:picChg chg="add mod">
+          <ac:chgData name="LAKSHMISREE RENTALA" userId="d486599c0204dcb8" providerId="LiveId" clId="{B18E0E83-1FD6-4EC2-A23D-35A93CD9F90C}" dt="2024-10-21T00:07:29.292" v="792" actId="1076"/>
+          <ac:picMkLst>
+            <pc:docMk/>
+            <pc:sldMk cId="338811875" sldId="273"/>
+            <ac:picMk id="2" creationId="{6DC29F01-82D9-2D97-9CDC-70318C4F951B}"/>
+          </ac:picMkLst>
+        </pc:picChg>
+      </pc:sldChg>
       <pc:sldMasterChg chg="modTransition modSldLayout">
-        <pc:chgData name="LAKSHMISREE RENTALA" userId="d486599c0204dcb8" providerId="LiveId" clId="{B18E0E83-1FD6-4EC2-A23D-35A93CD9F90C}" dt="2024-10-15T15:33:17.276" v="191"/>
+        <pc:chgData name="LAKSHMISREE RENTALA" userId="d486599c0204dcb8" providerId="LiveId" clId="{B18E0E83-1FD6-4EC2-A23D-35A93CD9F90C}" dt="2024-10-21T00:13:06.396" v="822"/>
         <pc:sldMasterMkLst>
           <pc:docMk/>
           <pc:sldMasterMk cId="0" sldId="2147483648"/>
         </pc:sldMasterMkLst>
         <pc:sldLayoutChg chg="modTransition">
-          <pc:chgData name="LAKSHMISREE RENTALA" userId="d486599c0204dcb8" providerId="LiveId" clId="{B18E0E83-1FD6-4EC2-A23D-35A93CD9F90C}" dt="2024-10-15T15:33:17.276" v="191"/>
+          <pc:chgData name="LAKSHMISREE RENTALA" userId="d486599c0204dcb8" providerId="LiveId" clId="{B18E0E83-1FD6-4EC2-A23D-35A93CD9F90C}" dt="2024-10-21T00:13:06.396" v="822"/>
           <pc:sldLayoutMkLst>
             <pc:docMk/>
             <pc:sldMasterMk cId="0" sldId="2147483648"/>
@@ -396,7 +444,7 @@
           </pc:sldLayoutMkLst>
         </pc:sldLayoutChg>
         <pc:sldLayoutChg chg="modTransition">
-          <pc:chgData name="LAKSHMISREE RENTALA" userId="d486599c0204dcb8" providerId="LiveId" clId="{B18E0E83-1FD6-4EC2-A23D-35A93CD9F90C}" dt="2024-10-15T15:33:17.276" v="191"/>
+          <pc:chgData name="LAKSHMISREE RENTALA" userId="d486599c0204dcb8" providerId="LiveId" clId="{B18E0E83-1FD6-4EC2-A23D-35A93CD9F90C}" dt="2024-10-21T00:13:06.396" v="822"/>
           <pc:sldLayoutMkLst>
             <pc:docMk/>
             <pc:sldMasterMk cId="0" sldId="2147483648"/>
@@ -404,7 +452,7 @@
           </pc:sldLayoutMkLst>
         </pc:sldLayoutChg>
         <pc:sldLayoutChg chg="modTransition">
-          <pc:chgData name="LAKSHMISREE RENTALA" userId="d486599c0204dcb8" providerId="LiveId" clId="{B18E0E83-1FD6-4EC2-A23D-35A93CD9F90C}" dt="2024-10-15T15:33:17.276" v="191"/>
+          <pc:chgData name="LAKSHMISREE RENTALA" userId="d486599c0204dcb8" providerId="LiveId" clId="{B18E0E83-1FD6-4EC2-A23D-35A93CD9F90C}" dt="2024-10-21T00:13:06.396" v="822"/>
           <pc:sldLayoutMkLst>
             <pc:docMk/>
             <pc:sldMasterMk cId="0" sldId="2147483648"/>
@@ -412,7 +460,7 @@
           </pc:sldLayoutMkLst>
         </pc:sldLayoutChg>
         <pc:sldLayoutChg chg="modTransition">
-          <pc:chgData name="LAKSHMISREE RENTALA" userId="d486599c0204dcb8" providerId="LiveId" clId="{B18E0E83-1FD6-4EC2-A23D-35A93CD9F90C}" dt="2024-10-15T15:33:17.276" v="191"/>
+          <pc:chgData name="LAKSHMISREE RENTALA" userId="d486599c0204dcb8" providerId="LiveId" clId="{B18E0E83-1FD6-4EC2-A23D-35A93CD9F90C}" dt="2024-10-21T00:13:06.396" v="822"/>
           <pc:sldLayoutMkLst>
             <pc:docMk/>
             <pc:sldMasterMk cId="0" sldId="2147483648"/>
@@ -420,7 +468,7 @@
           </pc:sldLayoutMkLst>
         </pc:sldLayoutChg>
         <pc:sldLayoutChg chg="modTransition">
-          <pc:chgData name="LAKSHMISREE RENTALA" userId="d486599c0204dcb8" providerId="LiveId" clId="{B18E0E83-1FD6-4EC2-A23D-35A93CD9F90C}" dt="2024-10-15T15:33:17.276" v="191"/>
+          <pc:chgData name="LAKSHMISREE RENTALA" userId="d486599c0204dcb8" providerId="LiveId" clId="{B18E0E83-1FD6-4EC2-A23D-35A93CD9F90C}" dt="2024-10-21T00:13:06.396" v="822"/>
           <pc:sldLayoutMkLst>
             <pc:docMk/>
             <pc:sldMasterMk cId="0" sldId="2147483648"/>
@@ -428,7 +476,7 @@
           </pc:sldLayoutMkLst>
         </pc:sldLayoutChg>
         <pc:sldLayoutChg chg="modTransition">
-          <pc:chgData name="LAKSHMISREE RENTALA" userId="d486599c0204dcb8" providerId="LiveId" clId="{B18E0E83-1FD6-4EC2-A23D-35A93CD9F90C}" dt="2024-10-15T15:33:17.276" v="191"/>
+          <pc:chgData name="LAKSHMISREE RENTALA" userId="d486599c0204dcb8" providerId="LiveId" clId="{B18E0E83-1FD6-4EC2-A23D-35A93CD9F90C}" dt="2024-10-21T00:13:06.396" v="822"/>
           <pc:sldLayoutMkLst>
             <pc:docMk/>
             <pc:sldMasterMk cId="0" sldId="2147483648"/>
@@ -436,7 +484,7 @@
           </pc:sldLayoutMkLst>
         </pc:sldLayoutChg>
         <pc:sldLayoutChg chg="modTransition">
-          <pc:chgData name="LAKSHMISREE RENTALA" userId="d486599c0204dcb8" providerId="LiveId" clId="{B18E0E83-1FD6-4EC2-A23D-35A93CD9F90C}" dt="2024-10-15T15:33:17.276" v="191"/>
+          <pc:chgData name="LAKSHMISREE RENTALA" userId="d486599c0204dcb8" providerId="LiveId" clId="{B18E0E83-1FD6-4EC2-A23D-35A93CD9F90C}" dt="2024-10-21T00:13:06.396" v="822"/>
           <pc:sldLayoutMkLst>
             <pc:docMk/>
             <pc:sldMasterMk cId="0" sldId="2147483648"/>
@@ -444,7 +492,7 @@
           </pc:sldLayoutMkLst>
         </pc:sldLayoutChg>
         <pc:sldLayoutChg chg="modTransition">
-          <pc:chgData name="LAKSHMISREE RENTALA" userId="d486599c0204dcb8" providerId="LiveId" clId="{B18E0E83-1FD6-4EC2-A23D-35A93CD9F90C}" dt="2024-10-15T15:33:17.276" v="191"/>
+          <pc:chgData name="LAKSHMISREE RENTALA" userId="d486599c0204dcb8" providerId="LiveId" clId="{B18E0E83-1FD6-4EC2-A23D-35A93CD9F90C}" dt="2024-10-21T00:13:06.396" v="822"/>
           <pc:sldLayoutMkLst>
             <pc:docMk/>
             <pc:sldMasterMk cId="0" sldId="2147483648"/>
@@ -452,7 +500,7 @@
           </pc:sldLayoutMkLst>
         </pc:sldLayoutChg>
         <pc:sldLayoutChg chg="modTransition">
-          <pc:chgData name="LAKSHMISREE RENTALA" userId="d486599c0204dcb8" providerId="LiveId" clId="{B18E0E83-1FD6-4EC2-A23D-35A93CD9F90C}" dt="2024-10-15T15:33:17.276" v="191"/>
+          <pc:chgData name="LAKSHMISREE RENTALA" userId="d486599c0204dcb8" providerId="LiveId" clId="{B18E0E83-1FD6-4EC2-A23D-35A93CD9F90C}" dt="2024-10-21T00:13:06.396" v="822"/>
           <pc:sldLayoutMkLst>
             <pc:docMk/>
             <pc:sldMasterMk cId="0" sldId="2147483648"/>
@@ -460,7 +508,7 @@
           </pc:sldLayoutMkLst>
         </pc:sldLayoutChg>
         <pc:sldLayoutChg chg="modTransition">
-          <pc:chgData name="LAKSHMISREE RENTALA" userId="d486599c0204dcb8" providerId="LiveId" clId="{B18E0E83-1FD6-4EC2-A23D-35A93CD9F90C}" dt="2024-10-15T15:33:17.276" v="191"/>
+          <pc:chgData name="LAKSHMISREE RENTALA" userId="d486599c0204dcb8" providerId="LiveId" clId="{B18E0E83-1FD6-4EC2-A23D-35A93CD9F90C}" dt="2024-10-21T00:13:06.396" v="822"/>
           <pc:sldLayoutMkLst>
             <pc:docMk/>
             <pc:sldMasterMk cId="0" sldId="2147483648"/>
@@ -468,7 +516,7 @@
           </pc:sldLayoutMkLst>
         </pc:sldLayoutChg>
         <pc:sldLayoutChg chg="modTransition">
-          <pc:chgData name="LAKSHMISREE RENTALA" userId="d486599c0204dcb8" providerId="LiveId" clId="{B18E0E83-1FD6-4EC2-A23D-35A93CD9F90C}" dt="2024-10-15T15:33:17.276" v="191"/>
+          <pc:chgData name="LAKSHMISREE RENTALA" userId="d486599c0204dcb8" providerId="LiveId" clId="{B18E0E83-1FD6-4EC2-A23D-35A93CD9F90C}" dt="2024-10-21T00:13:06.396" v="822"/>
           <pc:sldLayoutMkLst>
             <pc:docMk/>
             <pc:sldMasterMk cId="0" sldId="2147483648"/>
@@ -476,7 +524,7 @@
           </pc:sldLayoutMkLst>
         </pc:sldLayoutChg>
         <pc:sldLayoutChg chg="modTransition">
-          <pc:chgData name="LAKSHMISREE RENTALA" userId="d486599c0204dcb8" providerId="LiveId" clId="{B18E0E83-1FD6-4EC2-A23D-35A93CD9F90C}" dt="2024-10-15T15:33:17.276" v="191"/>
+          <pc:chgData name="LAKSHMISREE RENTALA" userId="d486599c0204dcb8" providerId="LiveId" clId="{B18E0E83-1FD6-4EC2-A23D-35A93CD9F90C}" dt="2024-10-21T00:13:06.396" v="822"/>
           <pc:sldLayoutMkLst>
             <pc:docMk/>
             <pc:sldMasterMk cId="0" sldId="2147483648"/>
@@ -484,7 +532,7 @@
           </pc:sldLayoutMkLst>
         </pc:sldLayoutChg>
         <pc:sldLayoutChg chg="modTransition">
-          <pc:chgData name="LAKSHMISREE RENTALA" userId="d486599c0204dcb8" providerId="LiveId" clId="{B18E0E83-1FD6-4EC2-A23D-35A93CD9F90C}" dt="2024-10-15T15:33:17.276" v="191"/>
+          <pc:chgData name="LAKSHMISREE RENTALA" userId="d486599c0204dcb8" providerId="LiveId" clId="{B18E0E83-1FD6-4EC2-A23D-35A93CD9F90C}" dt="2024-10-21T00:13:06.396" v="822"/>
           <pc:sldLayoutMkLst>
             <pc:docMk/>
             <pc:sldMasterMk cId="0" sldId="2147483648"/>
@@ -493,11 +541,27 @@
         </pc:sldLayoutChg>
       </pc:sldMasterChg>
       <pc:sldMasterChg chg="modSp mod modTransition modSldLayout">
-        <pc:chgData name="LAKSHMISREE RENTALA" userId="d486599c0204dcb8" providerId="LiveId" clId="{B18E0E83-1FD6-4EC2-A23D-35A93CD9F90C}" dt="2024-10-17T06:23:10.139" v="775" actId="2711"/>
+        <pc:chgData name="LAKSHMISREE RENTALA" userId="d486599c0204dcb8" providerId="LiveId" clId="{B18E0E83-1FD6-4EC2-A23D-35A93CD9F90C}" dt="2024-10-21T00:14:18.290" v="832" actId="20577"/>
         <pc:sldMasterMkLst>
           <pc:docMk/>
           <pc:sldMasterMk cId="0" sldId="2147483661"/>
         </pc:sldMasterMkLst>
+        <pc:spChg chg="mod">
+          <ac:chgData name="LAKSHMISREE RENTALA" userId="d486599c0204dcb8" providerId="LiveId" clId="{B18E0E83-1FD6-4EC2-A23D-35A93CD9F90C}" dt="2024-10-21T00:14:18.290" v="832" actId="20577"/>
+          <ac:spMkLst>
+            <pc:docMk/>
+            <pc:sldMasterMk cId="0" sldId="2147483661"/>
+            <ac:spMk id="45" creationId="{00000000-0000-0000-0000-000000000000}"/>
+          </ac:spMkLst>
+        </pc:spChg>
+        <pc:spChg chg="mod">
+          <ac:chgData name="LAKSHMISREE RENTALA" userId="d486599c0204dcb8" providerId="LiveId" clId="{B18E0E83-1FD6-4EC2-A23D-35A93CD9F90C}" dt="2024-10-21T00:13:48.548" v="830" actId="20577"/>
+          <ac:spMkLst>
+            <pc:docMk/>
+            <pc:sldMasterMk cId="0" sldId="2147483661"/>
+            <ac:spMk id="48" creationId="{00000000-0000-0000-0000-000000000000}"/>
+          </ac:spMkLst>
+        </pc:spChg>
         <pc:spChg chg="mod">
           <ac:chgData name="LAKSHMISREE RENTALA" userId="d486599c0204dcb8" providerId="LiveId" clId="{B18E0E83-1FD6-4EC2-A23D-35A93CD9F90C}" dt="2024-10-17T06:23:10.139" v="775" actId="2711"/>
           <ac:spMkLst>
@@ -507,7 +571,7 @@
           </ac:spMkLst>
         </pc:spChg>
         <pc:sldLayoutChg chg="modTransition">
-          <pc:chgData name="LAKSHMISREE RENTALA" userId="d486599c0204dcb8" providerId="LiveId" clId="{B18E0E83-1FD6-4EC2-A23D-35A93CD9F90C}" dt="2024-10-15T15:33:17.276" v="191"/>
+          <pc:chgData name="LAKSHMISREE RENTALA" userId="d486599c0204dcb8" providerId="LiveId" clId="{B18E0E83-1FD6-4EC2-A23D-35A93CD9F90C}" dt="2024-10-21T00:13:06.396" v="822"/>
           <pc:sldLayoutMkLst>
             <pc:docMk/>
             <pc:sldMasterMk cId="0" sldId="2147483661"/>
@@ -515,7 +579,7 @@
           </pc:sldLayoutMkLst>
         </pc:sldLayoutChg>
         <pc:sldLayoutChg chg="modTransition">
-          <pc:chgData name="LAKSHMISREE RENTALA" userId="d486599c0204dcb8" providerId="LiveId" clId="{B18E0E83-1FD6-4EC2-A23D-35A93CD9F90C}" dt="2024-10-15T15:33:17.276" v="191"/>
+          <pc:chgData name="LAKSHMISREE RENTALA" userId="d486599c0204dcb8" providerId="LiveId" clId="{B18E0E83-1FD6-4EC2-A23D-35A93CD9F90C}" dt="2024-10-21T00:13:06.396" v="822"/>
           <pc:sldLayoutMkLst>
             <pc:docMk/>
             <pc:sldMasterMk cId="0" sldId="2147483661"/>
@@ -523,7 +587,7 @@
           </pc:sldLayoutMkLst>
         </pc:sldLayoutChg>
         <pc:sldLayoutChg chg="modTransition">
-          <pc:chgData name="LAKSHMISREE RENTALA" userId="d486599c0204dcb8" providerId="LiveId" clId="{B18E0E83-1FD6-4EC2-A23D-35A93CD9F90C}" dt="2024-10-15T15:33:17.276" v="191"/>
+          <pc:chgData name="LAKSHMISREE RENTALA" userId="d486599c0204dcb8" providerId="LiveId" clId="{B18E0E83-1FD6-4EC2-A23D-35A93CD9F90C}" dt="2024-10-21T00:13:06.396" v="822"/>
           <pc:sldLayoutMkLst>
             <pc:docMk/>
             <pc:sldMasterMk cId="0" sldId="2147483661"/>
@@ -531,7 +595,7 @@
           </pc:sldLayoutMkLst>
         </pc:sldLayoutChg>
         <pc:sldLayoutChg chg="modTransition">
-          <pc:chgData name="LAKSHMISREE RENTALA" userId="d486599c0204dcb8" providerId="LiveId" clId="{B18E0E83-1FD6-4EC2-A23D-35A93CD9F90C}" dt="2024-10-15T15:33:17.276" v="191"/>
+          <pc:chgData name="LAKSHMISREE RENTALA" userId="d486599c0204dcb8" providerId="LiveId" clId="{B18E0E83-1FD6-4EC2-A23D-35A93CD9F90C}" dt="2024-10-21T00:13:06.396" v="822"/>
           <pc:sldLayoutMkLst>
             <pc:docMk/>
             <pc:sldMasterMk cId="0" sldId="2147483661"/>
@@ -539,7 +603,7 @@
           </pc:sldLayoutMkLst>
         </pc:sldLayoutChg>
         <pc:sldLayoutChg chg="modTransition">
-          <pc:chgData name="LAKSHMISREE RENTALA" userId="d486599c0204dcb8" providerId="LiveId" clId="{B18E0E83-1FD6-4EC2-A23D-35A93CD9F90C}" dt="2024-10-15T15:33:17.276" v="191"/>
+          <pc:chgData name="LAKSHMISREE RENTALA" userId="d486599c0204dcb8" providerId="LiveId" clId="{B18E0E83-1FD6-4EC2-A23D-35A93CD9F90C}" dt="2024-10-21T00:13:06.396" v="822"/>
           <pc:sldLayoutMkLst>
             <pc:docMk/>
             <pc:sldMasterMk cId="0" sldId="2147483661"/>
@@ -547,7 +611,7 @@
           </pc:sldLayoutMkLst>
         </pc:sldLayoutChg>
         <pc:sldLayoutChg chg="modTransition">
-          <pc:chgData name="LAKSHMISREE RENTALA" userId="d486599c0204dcb8" providerId="LiveId" clId="{B18E0E83-1FD6-4EC2-A23D-35A93CD9F90C}" dt="2024-10-15T15:33:17.276" v="191"/>
+          <pc:chgData name="LAKSHMISREE RENTALA" userId="d486599c0204dcb8" providerId="LiveId" clId="{B18E0E83-1FD6-4EC2-A23D-35A93CD9F90C}" dt="2024-10-21T00:13:06.396" v="822"/>
           <pc:sldLayoutMkLst>
             <pc:docMk/>
             <pc:sldMasterMk cId="0" sldId="2147483661"/>
@@ -555,7 +619,7 @@
           </pc:sldLayoutMkLst>
         </pc:sldLayoutChg>
         <pc:sldLayoutChg chg="modTransition">
-          <pc:chgData name="LAKSHMISREE RENTALA" userId="d486599c0204dcb8" providerId="LiveId" clId="{B18E0E83-1FD6-4EC2-A23D-35A93CD9F90C}" dt="2024-10-15T15:33:17.276" v="191"/>
+          <pc:chgData name="LAKSHMISREE RENTALA" userId="d486599c0204dcb8" providerId="LiveId" clId="{B18E0E83-1FD6-4EC2-A23D-35A93CD9F90C}" dt="2024-10-21T00:13:06.396" v="822"/>
           <pc:sldLayoutMkLst>
             <pc:docMk/>
             <pc:sldMasterMk cId="0" sldId="2147483661"/>
@@ -563,7 +627,7 @@
           </pc:sldLayoutMkLst>
         </pc:sldLayoutChg>
         <pc:sldLayoutChg chg="modTransition">
-          <pc:chgData name="LAKSHMISREE RENTALA" userId="d486599c0204dcb8" providerId="LiveId" clId="{B18E0E83-1FD6-4EC2-A23D-35A93CD9F90C}" dt="2024-10-15T15:33:17.276" v="191"/>
+          <pc:chgData name="LAKSHMISREE RENTALA" userId="d486599c0204dcb8" providerId="LiveId" clId="{B18E0E83-1FD6-4EC2-A23D-35A93CD9F90C}" dt="2024-10-21T00:13:06.396" v="822"/>
           <pc:sldLayoutMkLst>
             <pc:docMk/>
             <pc:sldMasterMk cId="0" sldId="2147483661"/>
@@ -571,7 +635,7 @@
           </pc:sldLayoutMkLst>
         </pc:sldLayoutChg>
         <pc:sldLayoutChg chg="modTransition">
-          <pc:chgData name="LAKSHMISREE RENTALA" userId="d486599c0204dcb8" providerId="LiveId" clId="{B18E0E83-1FD6-4EC2-A23D-35A93CD9F90C}" dt="2024-10-15T15:33:17.276" v="191"/>
+          <pc:chgData name="LAKSHMISREE RENTALA" userId="d486599c0204dcb8" providerId="LiveId" clId="{B18E0E83-1FD6-4EC2-A23D-35A93CD9F90C}" dt="2024-10-21T00:13:06.396" v="822"/>
           <pc:sldLayoutMkLst>
             <pc:docMk/>
             <pc:sldMasterMk cId="0" sldId="2147483661"/>
@@ -579,7 +643,7 @@
           </pc:sldLayoutMkLst>
         </pc:sldLayoutChg>
         <pc:sldLayoutChg chg="modTransition">
-          <pc:chgData name="LAKSHMISREE RENTALA" userId="d486599c0204dcb8" providerId="LiveId" clId="{B18E0E83-1FD6-4EC2-A23D-35A93CD9F90C}" dt="2024-10-15T15:33:17.276" v="191"/>
+          <pc:chgData name="LAKSHMISREE RENTALA" userId="d486599c0204dcb8" providerId="LiveId" clId="{B18E0E83-1FD6-4EC2-A23D-35A93CD9F90C}" dt="2024-10-21T00:13:06.396" v="822"/>
           <pc:sldLayoutMkLst>
             <pc:docMk/>
             <pc:sldMasterMk cId="0" sldId="2147483661"/>
@@ -587,7 +651,7 @@
           </pc:sldLayoutMkLst>
         </pc:sldLayoutChg>
         <pc:sldLayoutChg chg="modTransition">
-          <pc:chgData name="LAKSHMISREE RENTALA" userId="d486599c0204dcb8" providerId="LiveId" clId="{B18E0E83-1FD6-4EC2-A23D-35A93CD9F90C}" dt="2024-10-15T15:33:17.276" v="191"/>
+          <pc:chgData name="LAKSHMISREE RENTALA" userId="d486599c0204dcb8" providerId="LiveId" clId="{B18E0E83-1FD6-4EC2-A23D-35A93CD9F90C}" dt="2024-10-21T00:13:06.396" v="822"/>
           <pc:sldLayoutMkLst>
             <pc:docMk/>
             <pc:sldMasterMk cId="0" sldId="2147483661"/>
@@ -595,7 +659,7 @@
           </pc:sldLayoutMkLst>
         </pc:sldLayoutChg>
         <pc:sldLayoutChg chg="modTransition">
-          <pc:chgData name="LAKSHMISREE RENTALA" userId="d486599c0204dcb8" providerId="LiveId" clId="{B18E0E83-1FD6-4EC2-A23D-35A93CD9F90C}" dt="2024-10-15T15:33:17.276" v="191"/>
+          <pc:chgData name="LAKSHMISREE RENTALA" userId="d486599c0204dcb8" providerId="LiveId" clId="{B18E0E83-1FD6-4EC2-A23D-35A93CD9F90C}" dt="2024-10-21T00:13:06.396" v="822"/>
           <pc:sldLayoutMkLst>
             <pc:docMk/>
             <pc:sldMasterMk cId="0" sldId="2147483661"/>
@@ -691,7 +755,7 @@
             <a:fld id="{92414672-7F74-4670-9356-5FF07953FE6B}" type="datetimeFigureOut">
               <a:rPr lang="en-US" smtClean="0"/>
               <a:pPr/>
-              <a:t>10/18/2024</a:t>
+              <a:t>10/21/2024</a:t>
             </a:fld>
             <a:endParaRPr lang="en-US"/>
           </a:p>
@@ -1060,9 +1124,6 @@
   <p:clrMapOvr>
     <a:masterClrMapping/>
   </p:clrMapOvr>
-  <p:transition spd="slow">
-    <p:wipe/>
-  </p:transition>
 </p:sldLayout>
 </file>
 
@@ -1212,9 +1273,6 @@
   <p:clrMapOvr>
     <a:masterClrMapping/>
   </p:clrMapOvr>
-  <p:transition spd="slow">
-    <p:wipe/>
-  </p:transition>
 </p:sldLayout>
 </file>
 
@@ -1450,9 +1508,6 @@
   <p:clrMapOvr>
     <a:masterClrMapping/>
   </p:clrMapOvr>
-  <p:transition spd="slow">
-    <p:wipe/>
-  </p:transition>
 </p:sldLayout>
 </file>
 
@@ -1774,9 +1829,6 @@
   <p:clrMapOvr>
     <a:masterClrMapping/>
   </p:clrMapOvr>
-  <p:transition spd="slow">
-    <p:wipe/>
-  </p:transition>
 </p:sldLayout>
 </file>
 
@@ -2457,9 +2509,6 @@
   <p:clrMapOvr>
     <a:masterClrMapping/>
   </p:clrMapOvr>
-  <p:transition spd="slow">
-    <p:wipe/>
-  </p:transition>
   <p:hf hdr="0" ftr="0" dt="0"/>
 </p:sldLayout>
 </file>
@@ -2486,9 +2535,6 @@
   <p:clrMapOvr>
     <a:masterClrMapping/>
   </p:clrMapOvr>
-  <p:transition spd="slow">
-    <p:wipe/>
-  </p:transition>
 </p:sldLayout>
 </file>
 
@@ -2588,9 +2634,6 @@
   <p:clrMapOvr>
     <a:masterClrMapping/>
   </p:clrMapOvr>
-  <p:transition spd="slow">
-    <p:wipe/>
-  </p:transition>
 </p:sldLayout>
 </file>
 
@@ -2697,9 +2740,6 @@
   <p:clrMapOvr>
     <a:masterClrMapping/>
   </p:clrMapOvr>
-  <p:transition spd="slow">
-    <p:wipe/>
-  </p:transition>
 </p:sldLayout>
 </file>
 
@@ -2849,9 +2889,6 @@
   <p:clrMapOvr>
     <a:masterClrMapping/>
   </p:clrMapOvr>
-  <p:transition spd="slow">
-    <p:wipe/>
-  </p:transition>
 </p:sldLayout>
 </file>
 
@@ -2915,9 +2952,6 @@
   <p:clrMapOvr>
     <a:masterClrMapping/>
   </p:clrMapOvr>
-  <p:transition spd="slow">
-    <p:wipe/>
-  </p:transition>
 </p:sldLayout>
 </file>
 
@@ -2979,9 +3013,6 @@
   <p:clrMapOvr>
     <a:masterClrMapping/>
   </p:clrMapOvr>
-  <p:transition spd="slow">
-    <p:wipe/>
-  </p:transition>
 </p:sldLayout>
 </file>
 
@@ -3081,9 +3112,6 @@
   <p:clrMapOvr>
     <a:masterClrMapping/>
   </p:clrMapOvr>
-  <p:transition spd="slow">
-    <p:wipe/>
-  </p:transition>
 </p:sldLayout>
 </file>
 
@@ -3276,9 +3304,6 @@
   <p:clrMapOvr>
     <a:masterClrMapping/>
   </p:clrMapOvr>
-  <p:transition spd="slow">
-    <p:wipe/>
-  </p:transition>
 </p:sldLayout>
 </file>
 
@@ -3471,9 +3496,6 @@
   <p:clrMapOvr>
     <a:masterClrMapping/>
   </p:clrMapOvr>
-  <p:transition spd="slow">
-    <p:wipe/>
-  </p:transition>
 </p:sldLayout>
 </file>
 
@@ -3666,9 +3688,6 @@
   <p:clrMapOvr>
     <a:masterClrMapping/>
   </p:clrMapOvr>
-  <p:transition spd="slow">
-    <p:wipe/>
-  </p:transition>
 </p:sldLayout>
 </file>
 
@@ -3818,9 +3837,6 @@
   <p:clrMapOvr>
     <a:masterClrMapping/>
   </p:clrMapOvr>
-  <p:transition spd="slow">
-    <p:wipe/>
-  </p:transition>
 </p:sldLayout>
 </file>
 
@@ -4056,9 +4072,6 @@
   <p:clrMapOvr>
     <a:masterClrMapping/>
   </p:clrMapOvr>
-  <p:transition spd="slow">
-    <p:wipe/>
-  </p:transition>
 </p:sldLayout>
 </file>
 
@@ -4380,9 +4393,6 @@
   <p:clrMapOvr>
     <a:masterClrMapping/>
   </p:clrMapOvr>
-  <p:transition spd="slow">
-    <p:wipe/>
-  </p:transition>
 </p:sldLayout>
 </file>
 
@@ -4489,9 +4499,6 @@
   <p:clrMapOvr>
     <a:masterClrMapping/>
   </p:clrMapOvr>
-  <p:transition spd="slow">
-    <p:wipe/>
-  </p:transition>
 </p:sldLayout>
 </file>
 
@@ -4641,9 +4648,6 @@
   <p:clrMapOvr>
     <a:masterClrMapping/>
   </p:clrMapOvr>
-  <p:transition spd="slow">
-    <p:wipe/>
-  </p:transition>
 </p:sldLayout>
 </file>
 
@@ -4707,9 +4711,6 @@
   <p:clrMapOvr>
     <a:masterClrMapping/>
   </p:clrMapOvr>
-  <p:transition spd="slow">
-    <p:wipe/>
-  </p:transition>
 </p:sldLayout>
 </file>
 
@@ -4771,9 +4772,6 @@
   <p:clrMapOvr>
     <a:masterClrMapping/>
   </p:clrMapOvr>
-  <p:transition spd="slow">
-    <p:wipe/>
-  </p:transition>
 </p:sldLayout>
 </file>
 
@@ -4966,9 +4964,6 @@
   <p:clrMapOvr>
     <a:masterClrMapping/>
   </p:clrMapOvr>
-  <p:transition spd="slow">
-    <p:wipe/>
-  </p:transition>
 </p:sldLayout>
 </file>
 
@@ -5161,9 +5156,6 @@
   <p:clrMapOvr>
     <a:masterClrMapping/>
   </p:clrMapOvr>
-  <p:transition spd="slow">
-    <p:wipe/>
-  </p:transition>
 </p:sldLayout>
 </file>
 
@@ -5356,9 +5348,6 @@
   <p:clrMapOvr>
     <a:masterClrMapping/>
   </p:clrMapOvr>
-  <p:transition spd="slow">
-    <p:wipe/>
-  </p:transition>
 </p:sldLayout>
 </file>
 
@@ -5802,9 +5791,6 @@
     <p:sldLayoutId id="2147483660" r:id="rId12"/>
     <p:sldLayoutId id="2147483674" r:id="rId13"/>
   </p:sldLayoutIdLst>
-  <p:transition spd="slow">
-    <p:wipe/>
-  </p:transition>
   <p:txStyles>
     <p:titleStyle/>
     <p:bodyStyle/>
@@ -6160,7 +6146,7 @@
                 </a:solidFill>
                 <a:latin typeface="Times New Roman"/>
               </a:rPr>
-              <a:t>Dept. of Computer Science and Engineering(AI&amp;ML)</a:t>
+              <a:t>Dept. of Computer Science and Engineering(AI &amp; ML)</a:t>
             </a:r>
             <a:endParaRPr lang="en-IN" sz="1600" b="0" strike="noStrike" spc="-1" dirty="0">
               <a:latin typeface="Arial"/>
@@ -6342,7 +6328,7 @@
                 </a:solidFill>
                 <a:latin typeface="Times New Roman"/>
               </a:rPr>
-              <a:t>Image and Color Detection</a:t>
+              <a:t>Image Color Detection</a:t>
             </a:r>
             <a:endParaRPr lang="en-IN" sz="1500" b="0" strike="noStrike" spc="-1" dirty="0">
               <a:latin typeface="Arial"/>
@@ -6449,9 +6435,6 @@
     <p:sldLayoutId id="2147483672" r:id="rId11"/>
     <p:sldLayoutId id="2147483673" r:id="rId12"/>
   </p:sldLayoutIdLst>
-  <p:transition spd="slow">
-    <p:wipe/>
-  </p:transition>
   <p:txStyles>
     <p:titleStyle>
       <a:lvl1pPr>
@@ -7839,7 +7822,7 @@
                 <a:latin typeface="Times New Roman" panose="02020603050405020304" pitchFamily="18" charset="0"/>
                 <a:cs typeface="Times New Roman" panose="02020603050405020304" pitchFamily="18" charset="0"/>
               </a:rPr>
-              <a:t>Image and </a:t>
+              <a:t>Image </a:t>
             </a:r>
             <a:r>
               <a:rPr lang="en-IN" sz="3200" dirty="0" err="1">
@@ -7952,9 +7935,97 @@
   <p:clrMapOvr>
     <a:masterClrMapping/>
   </p:clrMapOvr>
-  <p:transition spd="slow">
-    <p:wipe/>
-  </p:transition>
+</p:sld>
+</file>
+
+<file path=ppt/slides/slide10.xml><?xml version="1.0" encoding="utf-8"?>
+<p:sld xmlns:a="http://schemas.openxmlformats.org/drawingml/2006/main" xmlns:r="http://schemas.openxmlformats.org/officeDocument/2006/relationships" xmlns:p="http://schemas.openxmlformats.org/presentationml/2006/main">
+  <p:cSld>
+    <p:spTree>
+      <p:nvGrpSpPr>
+        <p:cNvPr id="1" name=""/>
+        <p:cNvGrpSpPr/>
+        <p:nvPr/>
+      </p:nvGrpSpPr>
+      <p:grpSpPr>
+        <a:xfrm>
+          <a:off x="0" y="0"/>
+          <a:ext cx="0" cy="0"/>
+          <a:chOff x="0" y="0"/>
+          <a:chExt cx="0" cy="0"/>
+        </a:xfrm>
+      </p:grpSpPr>
+      <p:sp>
+        <p:nvSpPr>
+          <p:cNvPr id="116" name="Rectangle 1"/>
+          <p:cNvSpPr/>
+          <p:nvPr/>
+        </p:nvSpPr>
+        <p:spPr>
+          <a:xfrm>
+            <a:off x="3411654" y="2438400"/>
+            <a:ext cx="5368691" cy="1563398"/>
+          </a:xfrm>
+          <a:prstGeom prst="rect">
+            <a:avLst/>
+          </a:prstGeom>
+          <a:noFill/>
+          <a:ln w="0">
+            <a:noFill/>
+          </a:ln>
+        </p:spPr>
+        <p:style>
+          <a:lnRef idx="0">
+            <a:scrgbClr r="0" g="0" b="0"/>
+          </a:lnRef>
+          <a:fillRef idx="0">
+            <a:scrgbClr r="0" g="0" b="0"/>
+          </a:fillRef>
+          <a:effectRef idx="0">
+            <a:scrgbClr r="0" g="0" b="0"/>
+          </a:effectRef>
+          <a:fontRef idx="minor"/>
+        </p:style>
+        <p:txBody>
+          <a:bodyPr wrap="none" lIns="90000" tIns="45000" rIns="90000" bIns="45000" anchor="t">
+            <a:spAutoFit/>
+          </a:bodyPr>
+          <a:lstStyle/>
+          <a:p>
+            <a:pPr>
+              <a:lnSpc>
+                <a:spcPct val="107000"/>
+              </a:lnSpc>
+              <a:spcAft>
+                <a:spcPts val="799"/>
+              </a:spcAft>
+            </a:pPr>
+            <a:r>
+              <a:rPr lang="en-US" sz="9600" i="1" spc="-1" dirty="0">
+                <a:solidFill>
+                  <a:srgbClr val="FF6600"/>
+                </a:solidFill>
+                <a:latin typeface="Times New Roman"/>
+                <a:ea typeface="Calibri"/>
+              </a:rPr>
+              <a:t>Thank You</a:t>
+            </a:r>
+            <a:endParaRPr lang="en-IN" sz="9600" b="0" strike="noStrike" spc="-1" dirty="0">
+              <a:latin typeface="Arial"/>
+            </a:endParaRPr>
+          </a:p>
+        </p:txBody>
+      </p:sp>
+    </p:spTree>
+    <p:extLst>
+      <p:ext uri="{BB962C8B-B14F-4D97-AF65-F5344CB8AC3E}">
+        <p14:creationId xmlns:p14="http://schemas.microsoft.com/office/powerpoint/2010/main" val="1860936096"/>
+      </p:ext>
+    </p:extLst>
+  </p:cSld>
+  <p:clrMapOvr>
+    <a:masterClrMapping/>
+  </p:clrMapOvr>
 </p:sld>
 </file>
 
@@ -8244,9 +8315,6 @@
   <p:clrMapOvr>
     <a:masterClrMapping/>
   </p:clrMapOvr>
-  <p:transition spd="slow">
-    <p:wipe/>
-  </p:transition>
 </p:sld>
 </file>
 
@@ -8353,7 +8421,7 @@
         </p:spPr>
         <p:txBody>
           <a:bodyPr anchor="t">
-            <a:normAutofit fontScale="92500" lnSpcReduction="20000"/>
+            <a:normAutofit lnSpcReduction="10000"/>
           </a:bodyPr>
           <a:lstStyle/>
           <a:p>
@@ -8362,7 +8430,7 @@
                 <a:spcPct val="90000"/>
               </a:lnSpc>
               <a:spcBef>
-                <a:spcPts val="1001"/>
+                <a:spcPts val="1000"/>
               </a:spcBef>
               <a:buClr>
                 <a:srgbClr val="000000"/>
@@ -8376,7 +8444,7 @@
                 <a:latin typeface="Times New Roman" panose="02020603050405020304" pitchFamily="18" charset="0"/>
                 <a:cs typeface="Times New Roman" panose="02020603050405020304" pitchFamily="18" charset="0"/>
               </a:rPr>
-              <a:t>The Image and Color Detection application is a comprehensive tool designed to streamline the process of analyzing and detecting colors in images efficiently. This project aims to create a user-friendly interface that allows users to upload images, interactively detect colors, and view the detected colors along with their RGB values in real-time.</a:t>
+              <a:t>The Image and Color Detection application streamlines the process of analyzing and detecting colors in images. It offers a user-friendly interface for uploading images and real-time color detection through both uploaded images and live camera feed. Users can view detected colors and their RGB values instantly.</a:t>
             </a:r>
           </a:p>
           <a:p>
@@ -8385,22 +8453,19 @@
                 <a:spcPct val="90000"/>
               </a:lnSpc>
               <a:spcBef>
-                <a:spcPts val="1001"/>
+                <a:spcPts val="1000"/>
               </a:spcBef>
               <a:buClr>
                 <a:srgbClr val="000000"/>
               </a:buClr>
             </a:pPr>
-            <a:r>
-              <a:rPr lang="en-US" sz="2800" b="0" strike="noStrike" spc="-1" dirty="0">
-                <a:solidFill>
-                  <a:srgbClr val="000000"/>
-                </a:solidFill>
-                <a:latin typeface="Times New Roman" panose="02020603050405020304" pitchFamily="18" charset="0"/>
-                <a:cs typeface="Times New Roman" panose="02020603050405020304" pitchFamily="18" charset="0"/>
-              </a:rPr>
-              <a:t>The application encompasses features such as image uploading, real-time color detection, and an integrated display of both the image and detected colors. By automating the color detection process, the system enhances the overall efficiency of analyzing and utilizing color information, allowing users to focus on applying the detected colors in their respective fields.</a:t>
-            </a:r>
+            <a:endParaRPr lang="en-US" sz="2800" b="0" strike="noStrike" spc="-1" dirty="0">
+              <a:solidFill>
+                <a:srgbClr val="000000"/>
+              </a:solidFill>
+              <a:latin typeface="Times New Roman" panose="02020603050405020304" pitchFamily="18" charset="0"/>
+              <a:cs typeface="Times New Roman" panose="02020603050405020304" pitchFamily="18" charset="0"/>
+            </a:endParaRPr>
           </a:p>
           <a:p>
             <a:pPr algn="just">
@@ -8408,7 +8473,7 @@
                 <a:spcPct val="90000"/>
               </a:lnSpc>
               <a:spcBef>
-                <a:spcPts val="1001"/>
+                <a:spcPts val="1000"/>
               </a:spcBef>
               <a:buClr>
                 <a:srgbClr val="000000"/>
@@ -8422,8 +8487,171 @@
                 <a:latin typeface="Times New Roman" panose="02020603050405020304" pitchFamily="18" charset="0"/>
                 <a:cs typeface="Times New Roman" panose="02020603050405020304" pitchFamily="18" charset="0"/>
               </a:rPr>
-              <a:t>Additionally, the project emphasizes the accuracy of color detection, ensuring that detected colors and their values are precise. With the implementation of this Image and Color Detection system, we aim to promote a more organized, accessible, and engaging environment for color analysis, ultimately fostering creativity and efficiency in various domains.</a:t>
-            </a:r>
+              <a:t>Key features include image uploading, real-time detection, and integrated display of images and detected colors. This automation improves the efficiency and accuracy of color analysis, promoting creativity and efficiency in fields like graphic design and digital art.</a:t>
+            </a:r>
+          </a:p>
+          <a:p>
+            <a:pPr algn="just">
+              <a:lnSpc>
+                <a:spcPct val="90000"/>
+              </a:lnSpc>
+              <a:spcBef>
+                <a:spcPts val="1000"/>
+              </a:spcBef>
+              <a:buClr>
+                <a:srgbClr val="000000"/>
+              </a:buClr>
+            </a:pPr>
+            <a:endParaRPr lang="en-US" sz="2800" b="0" strike="noStrike" spc="-1" dirty="0">
+              <a:solidFill>
+                <a:srgbClr val="000000"/>
+              </a:solidFill>
+              <a:latin typeface="Times New Roman" panose="02020603050405020304" pitchFamily="18" charset="0"/>
+              <a:cs typeface="Times New Roman" panose="02020603050405020304" pitchFamily="18" charset="0"/>
+            </a:endParaRPr>
+          </a:p>
+          <a:p>
+            <a:pPr algn="just">
+              <a:lnSpc>
+                <a:spcPct val="90000"/>
+              </a:lnSpc>
+              <a:spcBef>
+                <a:spcPts val="1000"/>
+              </a:spcBef>
+              <a:buClr>
+                <a:srgbClr val="000000"/>
+              </a:buClr>
+            </a:pPr>
+            <a:r>
+              <a:rPr lang="en-US" sz="2800" b="0" strike="noStrike" spc="-1" dirty="0">
+                <a:solidFill>
+                  <a:srgbClr val="000000"/>
+                </a:solidFill>
+                <a:latin typeface="Times New Roman" panose="02020603050405020304" pitchFamily="18" charset="0"/>
+                <a:cs typeface="Times New Roman" panose="02020603050405020304" pitchFamily="18" charset="0"/>
+              </a:rPr>
+              <a:t>By implementing this system, we aim to create an organized and engaging environment for color analysis.</a:t>
+            </a:r>
+          </a:p>
+          <a:p>
+            <a:pPr algn="just">
+              <a:lnSpc>
+                <a:spcPct val="90000"/>
+              </a:lnSpc>
+              <a:spcBef>
+                <a:spcPts val="1000"/>
+              </a:spcBef>
+              <a:buClr>
+                <a:srgbClr val="000000"/>
+              </a:buClr>
+            </a:pPr>
+            <a:endParaRPr lang="en-US" sz="2800" b="0" strike="noStrike" spc="-1" dirty="0">
+              <a:solidFill>
+                <a:srgbClr val="000000"/>
+              </a:solidFill>
+              <a:latin typeface="Times New Roman" panose="02020603050405020304" pitchFamily="18" charset="0"/>
+              <a:cs typeface="Times New Roman" panose="02020603050405020304" pitchFamily="18" charset="0"/>
+            </a:endParaRPr>
+          </a:p>
+          <a:p>
+            <a:pPr algn="just">
+              <a:lnSpc>
+                <a:spcPct val="90000"/>
+              </a:lnSpc>
+              <a:spcBef>
+                <a:spcPts val="1000"/>
+              </a:spcBef>
+              <a:buClr>
+                <a:srgbClr val="000000"/>
+              </a:buClr>
+            </a:pPr>
+            <a:endParaRPr lang="en-US" sz="2800" b="0" strike="noStrike" spc="-1" dirty="0">
+              <a:solidFill>
+                <a:srgbClr val="000000"/>
+              </a:solidFill>
+              <a:latin typeface="Times New Roman" panose="02020603050405020304" pitchFamily="18" charset="0"/>
+              <a:cs typeface="Times New Roman" panose="02020603050405020304" pitchFamily="18" charset="0"/>
+            </a:endParaRPr>
+          </a:p>
+          <a:p>
+            <a:pPr algn="just">
+              <a:lnSpc>
+                <a:spcPct val="90000"/>
+              </a:lnSpc>
+              <a:spcBef>
+                <a:spcPts val="1000"/>
+              </a:spcBef>
+              <a:buClr>
+                <a:srgbClr val="000000"/>
+              </a:buClr>
+            </a:pPr>
+            <a:endParaRPr lang="en-US" sz="2800" b="0" strike="noStrike" spc="-1" dirty="0">
+              <a:solidFill>
+                <a:srgbClr val="000000"/>
+              </a:solidFill>
+              <a:latin typeface="Times New Roman" panose="02020603050405020304" pitchFamily="18" charset="0"/>
+              <a:cs typeface="Times New Roman" panose="02020603050405020304" pitchFamily="18" charset="0"/>
+            </a:endParaRPr>
+          </a:p>
+          <a:p>
+            <a:pPr algn="just">
+              <a:lnSpc>
+                <a:spcPct val="90000"/>
+              </a:lnSpc>
+              <a:spcBef>
+                <a:spcPts val="1000"/>
+              </a:spcBef>
+              <a:buClr>
+                <a:srgbClr val="000000"/>
+              </a:buClr>
+            </a:pPr>
+            <a:endParaRPr lang="en-US" sz="2800" b="0" strike="noStrike" spc="-1" dirty="0">
+              <a:solidFill>
+                <a:srgbClr val="000000"/>
+              </a:solidFill>
+              <a:latin typeface="Times New Roman" panose="02020603050405020304" pitchFamily="18" charset="0"/>
+              <a:cs typeface="Times New Roman" panose="02020603050405020304" pitchFamily="18" charset="0"/>
+            </a:endParaRPr>
+          </a:p>
+          <a:p>
+            <a:pPr algn="just">
+              <a:lnSpc>
+                <a:spcPct val="90000"/>
+              </a:lnSpc>
+              <a:spcBef>
+                <a:spcPts val="1000"/>
+              </a:spcBef>
+              <a:buClr>
+                <a:srgbClr val="000000"/>
+              </a:buClr>
+            </a:pPr>
+            <a:endParaRPr lang="en-US" sz="2800" b="0" strike="noStrike" spc="-1" dirty="0">
+              <a:solidFill>
+                <a:srgbClr val="000000"/>
+              </a:solidFill>
+              <a:latin typeface="Times New Roman" panose="02020603050405020304" pitchFamily="18" charset="0"/>
+              <a:cs typeface="Times New Roman" panose="02020603050405020304" pitchFamily="18" charset="0"/>
+            </a:endParaRPr>
+          </a:p>
+          <a:p>
+            <a:pPr algn="just">
+              <a:lnSpc>
+                <a:spcPct val="90000"/>
+              </a:lnSpc>
+              <a:spcBef>
+                <a:spcPts val="1001"/>
+              </a:spcBef>
+              <a:buClr>
+                <a:srgbClr val="000000"/>
+              </a:buClr>
+            </a:pPr>
+            <a:endParaRPr lang="en-US" sz="2800" b="0" strike="noStrike" spc="-1" dirty="0">
+              <a:solidFill>
+                <a:srgbClr val="000000"/>
+              </a:solidFill>
+              <a:latin typeface="Times New Roman" panose="02020603050405020304" pitchFamily="18" charset="0"/>
+              <a:cs typeface="Times New Roman" panose="02020603050405020304" pitchFamily="18" charset="0"/>
+            </a:endParaRPr>
           </a:p>
         </p:txBody>
       </p:sp>
@@ -8600,9 +8828,6 @@
   <p:clrMapOvr>
     <a:masterClrMapping/>
   </p:clrMapOvr>
-  <p:transition spd="slow">
-    <p:wipe/>
-  </p:transition>
 </p:sld>
 </file>
 
@@ -8932,9 +9157,6 @@
   <p:clrMapOvr>
     <a:masterClrMapping/>
   </p:clrMapOvr>
-  <p:transition spd="slow">
-    <p:wipe/>
-  </p:transition>
 </p:sld>
 </file>
 
@@ -9448,9 +9670,6 @@
   <p:clrMapOvr>
     <a:masterClrMapping/>
   </p:clrMapOvr>
-  <p:transition spd="slow">
-    <p:wipe/>
-  </p:transition>
 </p:sld>
 </file>
 
@@ -9799,9 +10018,6 @@
   <p:clrMapOvr>
     <a:masterClrMapping/>
   </p:clrMapOvr>
-  <p:transition spd="slow">
-    <p:wipe/>
-  </p:transition>
 </p:sld>
 </file>
 
@@ -10046,9 +10262,6 @@
   <p:clrMapOvr>
     <a:masterClrMapping/>
   </p:clrMapOvr>
-  <p:transition spd="slow">
-    <p:wipe/>
-  </p:transition>
 </p:sld>
 </file>
 
@@ -10071,14 +10284,115 @@
       </p:grpSpPr>
       <p:sp>
         <p:nvSpPr>
-          <p:cNvPr id="116" name="Rectangle 1"/>
-          <p:cNvSpPr/>
-          <p:nvPr/>
-        </p:nvSpPr>
-        <p:spPr>
-          <a:xfrm>
-            <a:off x="2632680" y="2375640"/>
-            <a:ext cx="6848640" cy="1654920"/>
+          <p:cNvPr id="103" name="PlaceHolder 1"/>
+          <p:cNvSpPr>
+            <a:spLocks noGrp="1"/>
+          </p:cNvSpPr>
+          <p:nvPr>
+            <p:ph type="title"/>
+          </p:nvPr>
+        </p:nvSpPr>
+        <p:spPr>
+          <a:xfrm>
+            <a:off x="-7020" y="228600"/>
+            <a:ext cx="12191760" cy="714600"/>
+          </a:xfrm>
+          <a:prstGeom prst="rect">
+            <a:avLst/>
+          </a:prstGeom>
+          <a:solidFill>
+            <a:srgbClr val="FF6600"/>
+          </a:solidFill>
+          <a:ln w="0">
+            <a:noFill/>
+          </a:ln>
+          <a:effectLst>
+            <a:outerShdw blurRad="44280" dist="28080" dir="5400000" rotWithShape="0">
+              <a:srgbClr val="000000">
+                <a:alpha val="32000"/>
+              </a:srgbClr>
+            </a:outerShdw>
+          </a:effectLst>
+        </p:spPr>
+        <p:txBody>
+          <a:bodyPr lIns="90000" tIns="45000" rIns="90000" bIns="45000" anchor="t">
+            <a:noAutofit/>
+          </a:bodyPr>
+          <a:lstStyle/>
+          <a:p>
+            <a:pPr>
+              <a:lnSpc>
+                <a:spcPct val="90000"/>
+              </a:lnSpc>
+            </a:pPr>
+            <a:r>
+              <a:rPr lang="en-US" sz="4400" spc="-1" dirty="0">
+                <a:solidFill>
+                  <a:srgbClr val="FFFFFF"/>
+                </a:solidFill>
+                <a:latin typeface="Times New Roman"/>
+              </a:rPr>
+              <a:t> </a:t>
+            </a:r>
+            <a:r>
+              <a:rPr lang="en-US" sz="4400" spc="-1" dirty="0" err="1">
+                <a:solidFill>
+                  <a:srgbClr val="FFFFFF"/>
+                </a:solidFill>
+                <a:latin typeface="Times New Roman"/>
+              </a:rPr>
+              <a:t>Github</a:t>
+            </a:r>
+            <a:r>
+              <a:rPr lang="en-US" sz="4400" spc="-1" dirty="0">
+                <a:solidFill>
+                  <a:srgbClr val="FFFFFF"/>
+                </a:solidFill>
+                <a:latin typeface="Times New Roman"/>
+              </a:rPr>
+              <a:t> Link</a:t>
+            </a:r>
+            <a:endParaRPr lang="en-US" sz="4400" b="0" strike="noStrike" spc="-1" dirty="0">
+              <a:solidFill>
+                <a:srgbClr val="000000"/>
+              </a:solidFill>
+              <a:latin typeface="Calibri"/>
+            </a:endParaRPr>
+          </a:p>
+        </p:txBody>
+      </p:sp>
+      <p:pic>
+        <p:nvPicPr>
+          <p:cNvPr id="2" name="Content Placeholder 2">
+            <a:extLst>
+              <a:ext uri="{FF2B5EF4-FFF2-40B4-BE49-F238E27FC236}">
+                <a16:creationId xmlns:a16="http://schemas.microsoft.com/office/drawing/2014/main" id="{6DC29F01-82D9-2D97-9CDC-70318C4F951B}"/>
+              </a:ext>
+            </a:extLst>
+          </p:cNvPr>
+          <p:cNvPicPr>
+            <a:picLocks noGrp="1" noChangeAspect="1"/>
+          </p:cNvPicPr>
+          <p:nvPr>
+            <p:ph/>
+          </p:nvPr>
+        </p:nvPicPr>
+        <p:blipFill>
+          <a:blip r:embed="rId2">
+            <a:extLst>
+              <a:ext uri="{28A0092B-C50C-407E-A947-70E740481C1C}">
+                <a14:useLocalDpi xmlns:a14="http://schemas.microsoft.com/office/drawing/2010/main" val="0"/>
+              </a:ext>
+            </a:extLst>
+          </a:blip>
+          <a:stretch>
+            <a:fillRect/>
+          </a:stretch>
+        </p:blipFill>
+        <p:spPr>
+          <a:xfrm>
+            <a:off x="2514600" y="1447800"/>
+            <a:ext cx="6701295" cy="3292712"/>
           </a:xfrm>
           <a:prstGeom prst="rect">
             <a:avLst/>
@@ -10088,56 +10402,100 @@
             <a:noFill/>
           </a:ln>
         </p:spPr>
-        <p:style>
-          <a:lnRef idx="0">
-            <a:scrgbClr r="0" g="0" b="0"/>
-          </a:lnRef>
-          <a:fillRef idx="0">
-            <a:scrgbClr r="0" g="0" b="0"/>
-          </a:fillRef>
-          <a:effectRef idx="0">
-            <a:scrgbClr r="0" g="0" b="0"/>
-          </a:effectRef>
-          <a:fontRef idx="minor"/>
-        </p:style>
-        <p:txBody>
-          <a:bodyPr wrap="none" lIns="90000" tIns="45000" rIns="90000" bIns="45000" anchor="t">
+      </p:pic>
+      <p:sp>
+        <p:nvSpPr>
+          <p:cNvPr id="4" name="TextBox 3">
+            <a:extLst>
+              <a:ext uri="{FF2B5EF4-FFF2-40B4-BE49-F238E27FC236}">
+                <a16:creationId xmlns:a16="http://schemas.microsoft.com/office/drawing/2014/main" id="{519D1F72-B7FD-0FBC-56EC-032EF5F8D289}"/>
+              </a:ext>
+            </a:extLst>
+          </p:cNvPr>
+          <p:cNvSpPr txBox="1"/>
+          <p:nvPr/>
+        </p:nvSpPr>
+        <p:spPr>
+          <a:xfrm>
+            <a:off x="685800" y="5029200"/>
+            <a:ext cx="10439400" cy="1815882"/>
+          </a:xfrm>
+          <a:prstGeom prst="rect">
+            <a:avLst/>
+          </a:prstGeom>
+          <a:noFill/>
+        </p:spPr>
+        <p:txBody>
+          <a:bodyPr wrap="square">
             <a:spAutoFit/>
           </a:bodyPr>
           <a:lstStyle/>
           <a:p>
-            <a:pPr>
-              <a:lnSpc>
-                <a:spcPct val="107000"/>
-              </a:lnSpc>
-              <a:spcAft>
-                <a:spcPts val="799"/>
-              </a:spcAft>
-            </a:pPr>
-            <a:r>
-              <a:rPr lang="en-US" sz="9600" b="0" i="1" strike="noStrike" spc="-1">
-                <a:solidFill>
-                  <a:srgbClr val="FF6600"/>
-                </a:solidFill>
-                <a:latin typeface="Times New Roman"/>
-                <a:ea typeface="Calibri"/>
-              </a:rPr>
-              <a:t>Any Queries?</a:t>
-            </a:r>
-            <a:endParaRPr lang="en-IN" sz="9600" b="0" strike="noStrike" spc="-1">
-              <a:latin typeface="Arial"/>
+            <a:pPr marL="457200" indent="-457200">
+              <a:buFont typeface="Wingdings" panose="05000000000000000000" pitchFamily="2" charset="2"/>
+              <a:buChar char="Ø"/>
+            </a:pPr>
+            <a:r>
+              <a:rPr lang="en-US" sz="2800" dirty="0">
+                <a:latin typeface="Times New Roman" panose="02020603050405020304" pitchFamily="18" charset="0"/>
+                <a:cs typeface="Times New Roman" panose="02020603050405020304" pitchFamily="18" charset="0"/>
+              </a:rPr>
+              <a:t>Repository Name : Mini-Project</a:t>
+            </a:r>
+          </a:p>
+          <a:p>
+            <a:pPr marL="457200" indent="-457200">
+              <a:buFont typeface="Wingdings" panose="05000000000000000000" pitchFamily="2" charset="2"/>
+              <a:buChar char="Ø"/>
+            </a:pPr>
+            <a:r>
+              <a:rPr lang="en-US" sz="2800" dirty="0">
+                <a:latin typeface="Times New Roman" panose="02020603050405020304" pitchFamily="18" charset="0"/>
+                <a:cs typeface="Times New Roman" panose="02020603050405020304" pitchFamily="18" charset="0"/>
+              </a:rPr>
+              <a:t>Git Hub Link : </a:t>
+            </a:r>
+            <a:r>
+              <a:rPr lang="en-US" sz="2800" dirty="0">
+                <a:latin typeface="Times New Roman" panose="02020603050405020304" pitchFamily="18" charset="0"/>
+                <a:cs typeface="Times New Roman" panose="02020603050405020304" pitchFamily="18" charset="0"/>
+                <a:hlinkClick r:id="rId3"/>
+              </a:rPr>
+              <a:t>https://github.com/LAKSHMISREERENTALA</a:t>
+            </a:r>
+            <a:endParaRPr lang="en-IN" sz="2800" b="1" dirty="0">
+              <a:solidFill>
+                <a:srgbClr val="374151"/>
+              </a:solidFill>
+              <a:latin typeface="Times New Roman" panose="02020603050405020304" pitchFamily="18" charset="0"/>
+              <a:cs typeface="Times New Roman" panose="02020603050405020304" pitchFamily="18" charset="0"/>
+            </a:endParaRPr>
+          </a:p>
+          <a:p>
+            <a:pPr marL="457200" indent="-457200"/>
+            <a:endParaRPr lang="en-US" sz="2800" dirty="0">
+              <a:latin typeface="Times New Roman" panose="02020603050405020304" pitchFamily="18" charset="0"/>
+              <a:cs typeface="Times New Roman" panose="02020603050405020304" pitchFamily="18" charset="0"/>
+            </a:endParaRPr>
+          </a:p>
+          <a:p>
+            <a:endParaRPr lang="en-IN" sz="2800" dirty="0">
+              <a:latin typeface="Times New Roman" panose="02020603050405020304" pitchFamily="18" charset="0"/>
+              <a:cs typeface="Times New Roman" panose="02020603050405020304" pitchFamily="18" charset="0"/>
             </a:endParaRPr>
           </a:p>
         </p:txBody>
       </p:sp>
     </p:spTree>
+    <p:extLst>
+      <p:ext uri="{BB962C8B-B14F-4D97-AF65-F5344CB8AC3E}">
+        <p14:creationId xmlns:p14="http://schemas.microsoft.com/office/powerpoint/2010/main" val="338811875"/>
+      </p:ext>
+    </p:extLst>
   </p:cSld>
   <p:clrMapOvr>
     <a:masterClrMapping/>
   </p:clrMapOvr>
-  <p:transition spd="slow">
-    <p:wipe/>
-  </p:transition>
 </p:sld>
 </file>
 
@@ -10166,8 +10524,8 @@
         </p:nvSpPr>
         <p:spPr>
           <a:xfrm>
-            <a:off x="3411654" y="2438400"/>
-            <a:ext cx="5368691" cy="1563398"/>
+            <a:off x="2632680" y="2375640"/>
+            <a:ext cx="6848640" cy="1654920"/>
           </a:xfrm>
           <a:prstGeom prst="rect">
             <a:avLst/>
@@ -10204,34 +10562,26 @@
               </a:spcAft>
             </a:pPr>
             <a:r>
-              <a:rPr lang="en-US" sz="9600" i="1" spc="-1" dirty="0">
+              <a:rPr lang="en-US" sz="9600" b="0" i="1" strike="noStrike" spc="-1">
                 <a:solidFill>
                   <a:srgbClr val="FF6600"/>
                 </a:solidFill>
                 <a:latin typeface="Times New Roman"/>
                 <a:ea typeface="Calibri"/>
               </a:rPr>
-              <a:t>Thank You</a:t>
-            </a:r>
-            <a:endParaRPr lang="en-IN" sz="9600" b="0" strike="noStrike" spc="-1" dirty="0">
+              <a:t>Any Queries?</a:t>
+            </a:r>
+            <a:endParaRPr lang="en-IN" sz="9600" b="0" strike="noStrike" spc="-1">
               <a:latin typeface="Arial"/>
             </a:endParaRPr>
           </a:p>
         </p:txBody>
       </p:sp>
     </p:spTree>
-    <p:extLst>
-      <p:ext uri="{BB962C8B-B14F-4D97-AF65-F5344CB8AC3E}">
-        <p14:creationId xmlns:p14="http://schemas.microsoft.com/office/powerpoint/2010/main" val="1860936096"/>
-      </p:ext>
-    </p:extLst>
   </p:cSld>
   <p:clrMapOvr>
     <a:masterClrMapping/>
   </p:clrMapOvr>
-  <p:transition spd="slow">
-    <p:wipe/>
-  </p:transition>
 </p:sld>
 </file>
 
